--- a/121/NMOP/ietf-yang-push-implementations-next-steps.pptx
+++ b/121/NMOP/ietf-yang-push-implementations-next-steps.pptx
@@ -20,9 +20,9 @@
     <p:sldId id="2145706285" r:id="rId11"/>
     <p:sldId id="2145706286" r:id="rId12"/>
     <p:sldId id="2145706280" r:id="rId13"/>
-    <p:sldId id="2145706251" r:id="rId14"/>
-    <p:sldId id="2145706288" r:id="rId15"/>
-    <p:sldId id="2145706289" r:id="rId16"/>
+    <p:sldId id="2145706290" r:id="rId14"/>
+    <p:sldId id="2145706291" r:id="rId15"/>
+    <p:sldId id="2145706292" r:id="rId16"/>
     <p:sldId id="2145706287" r:id="rId17"/>
   </p:sldIdLst>
   <p:sldSz cx="12192000" cy="6858000"/>
@@ -133,7 +133,7 @@
 <file path=ppt/revisionInfo.xml><?xml version="1.0" encoding="utf-8"?>
 <p1510:revInfo xmlns:a="http://schemas.openxmlformats.org/drawingml/2006/main" xmlns:r="http://schemas.openxmlformats.org/officeDocument/2006/relationships" xmlns:p1510="http://schemas.microsoft.com/office/powerpoint/2015/10/main">
   <p1510:revLst>
-    <p1510:client id="{DCB9BC61-99EA-418C-88ED-255BF86A002D}" v="9" dt="2024-11-03T08:10:06.246"/>
+    <p1510:client id="{DCB9BC61-99EA-418C-88ED-255BF86A002D}" v="10" dt="2024-11-03T11:43:28.251"/>
   </p1510:revLst>
 </p1510:revInfo>
 </file>
@@ -143,7 +143,7 @@
   <pc:docChgLst>
     <pc:chgData name="Graf Thomas, INI-NET-VNC-HCS" userId="487bc3e3-9ce7-4cdd-b7b4-8899ea88d289" providerId="ADAL" clId="{DCB9BC61-99EA-418C-88ED-255BF86A002D}"/>
     <pc:docChg chg="undo custSel addSld delSld modSld sldOrd">
-      <pc:chgData name="Graf Thomas, INI-NET-VNC-HCS" userId="487bc3e3-9ce7-4cdd-b7b4-8899ea88d289" providerId="ADAL" clId="{DCB9BC61-99EA-418C-88ED-255BF86A002D}" dt="2024-11-03T08:10:27.065" v="1330" actId="20577"/>
+      <pc:chgData name="Graf Thomas, INI-NET-VNC-HCS" userId="487bc3e3-9ce7-4cdd-b7b4-8899ea88d289" providerId="ADAL" clId="{DCB9BC61-99EA-418C-88ED-255BF86A002D}" dt="2024-11-03T11:45:24.861" v="1335" actId="20577"/>
       <pc:docMkLst>
         <pc:docMk/>
       </pc:docMkLst>
@@ -207,7 +207,7 @@
         </pc:sldMkLst>
       </pc:sldChg>
       <pc:sldChg chg="add del">
-        <pc:chgData name="Graf Thomas, INI-NET-VNC-HCS" userId="487bc3e3-9ce7-4cdd-b7b4-8899ea88d289" providerId="ADAL" clId="{DCB9BC61-99EA-418C-88ED-255BF86A002D}" dt="2024-11-03T08:08:54.121" v="1322"/>
+        <pc:chgData name="Graf Thomas, INI-NET-VNC-HCS" userId="487bc3e3-9ce7-4cdd-b7b4-8899ea88d289" providerId="ADAL" clId="{DCB9BC61-99EA-418C-88ED-255BF86A002D}" dt="2024-11-03T11:43:32.149" v="1332" actId="47"/>
         <pc:sldMkLst>
           <pc:docMk/>
           <pc:sldMk cId="2799895506" sldId="2145706251"/>
@@ -664,18 +664,63 @@
         </pc:picChg>
       </pc:sldChg>
       <pc:sldChg chg="add del">
-        <pc:chgData name="Graf Thomas, INI-NET-VNC-HCS" userId="487bc3e3-9ce7-4cdd-b7b4-8899ea88d289" providerId="ADAL" clId="{DCB9BC61-99EA-418C-88ED-255BF86A002D}" dt="2024-11-03T08:08:54.121" v="1322"/>
+        <pc:chgData name="Graf Thomas, INI-NET-VNC-HCS" userId="487bc3e3-9ce7-4cdd-b7b4-8899ea88d289" providerId="ADAL" clId="{DCB9BC61-99EA-418C-88ED-255BF86A002D}" dt="2024-11-03T11:43:32.149" v="1332" actId="47"/>
         <pc:sldMkLst>
           <pc:docMk/>
           <pc:sldMk cId="528691890" sldId="2145706288"/>
         </pc:sldMkLst>
       </pc:sldChg>
       <pc:sldChg chg="add del">
-        <pc:chgData name="Graf Thomas, INI-NET-VNC-HCS" userId="487bc3e3-9ce7-4cdd-b7b4-8899ea88d289" providerId="ADAL" clId="{DCB9BC61-99EA-418C-88ED-255BF86A002D}" dt="2024-11-03T08:08:54.121" v="1322"/>
+        <pc:chgData name="Graf Thomas, INI-NET-VNC-HCS" userId="487bc3e3-9ce7-4cdd-b7b4-8899ea88d289" providerId="ADAL" clId="{DCB9BC61-99EA-418C-88ED-255BF86A002D}" dt="2024-11-03T11:43:32.149" v="1332" actId="47"/>
         <pc:sldMkLst>
           <pc:docMk/>
           <pc:sldMk cId="3521643054" sldId="2145706289"/>
         </pc:sldMkLst>
+      </pc:sldChg>
+      <pc:sldChg chg="modSp add mod">
+        <pc:chgData name="Graf Thomas, INI-NET-VNC-HCS" userId="487bc3e3-9ce7-4cdd-b7b4-8899ea88d289" providerId="ADAL" clId="{DCB9BC61-99EA-418C-88ED-255BF86A002D}" dt="2024-11-03T11:45:24.861" v="1335" actId="20577"/>
+        <pc:sldMkLst>
+          <pc:docMk/>
+          <pc:sldMk cId="1775271079" sldId="2145706290"/>
+        </pc:sldMkLst>
+        <pc:graphicFrameChg chg="modGraphic">
+          <ac:chgData name="Graf Thomas, INI-NET-VNC-HCS" userId="487bc3e3-9ce7-4cdd-b7b4-8899ea88d289" providerId="ADAL" clId="{DCB9BC61-99EA-418C-88ED-255BF86A002D}" dt="2024-11-03T11:45:24.861" v="1335" actId="20577"/>
+          <ac:graphicFrameMkLst>
+            <pc:docMk/>
+            <pc:sldMk cId="1775271079" sldId="2145706290"/>
+            <ac:graphicFrameMk id="4" creationId="{5DBF70CC-97EC-A9C0-4D9B-B62507F3329B}"/>
+          </ac:graphicFrameMkLst>
+        </pc:graphicFrameChg>
+      </pc:sldChg>
+      <pc:sldChg chg="modSp add mod">
+        <pc:chgData name="Graf Thomas, INI-NET-VNC-HCS" userId="487bc3e3-9ce7-4cdd-b7b4-8899ea88d289" providerId="ADAL" clId="{DCB9BC61-99EA-418C-88ED-255BF86A002D}" dt="2024-11-03T11:43:44.028" v="1333" actId="207"/>
+        <pc:sldMkLst>
+          <pc:docMk/>
+          <pc:sldMk cId="1060752161" sldId="2145706291"/>
+        </pc:sldMkLst>
+        <pc:spChg chg="mod">
+          <ac:chgData name="Graf Thomas, INI-NET-VNC-HCS" userId="487bc3e3-9ce7-4cdd-b7b4-8899ea88d289" providerId="ADAL" clId="{DCB9BC61-99EA-418C-88ED-255BF86A002D}" dt="2024-11-03T11:43:44.028" v="1333" actId="207"/>
+          <ac:spMkLst>
+            <pc:docMk/>
+            <pc:sldMk cId="1060752161" sldId="2145706291"/>
+            <ac:spMk id="3" creationId="{4B51529C-5875-F2C8-3A59-29DCA152E0A8}"/>
+          </ac:spMkLst>
+        </pc:spChg>
+      </pc:sldChg>
+      <pc:sldChg chg="modSp add mod">
+        <pc:chgData name="Graf Thomas, INI-NET-VNC-HCS" userId="487bc3e3-9ce7-4cdd-b7b4-8899ea88d289" providerId="ADAL" clId="{DCB9BC61-99EA-418C-88ED-255BF86A002D}" dt="2024-11-03T11:43:48.392" v="1334" actId="207"/>
+        <pc:sldMkLst>
+          <pc:docMk/>
+          <pc:sldMk cId="2224309717" sldId="2145706292"/>
+        </pc:sldMkLst>
+        <pc:spChg chg="mod">
+          <ac:chgData name="Graf Thomas, INI-NET-VNC-HCS" userId="487bc3e3-9ce7-4cdd-b7b4-8899ea88d289" providerId="ADAL" clId="{DCB9BC61-99EA-418C-88ED-255BF86A002D}" dt="2024-11-03T11:43:48.392" v="1334" actId="207"/>
+          <ac:spMkLst>
+            <pc:docMk/>
+            <pc:sldMk cId="2224309717" sldId="2145706292"/>
+            <ac:spMk id="3" creationId="{4B51529C-5875-F2C8-3A59-29DCA152E0A8}"/>
+          </ac:spMkLst>
+        </pc:spChg>
       </pc:sldChg>
       <pc:sldMasterChg chg="delSldLayout">
         <pc:chgData name="Graf Thomas, INI-NET-VNC-HCS" userId="487bc3e3-9ce7-4cdd-b7b4-8899ea88d289" providerId="ADAL" clId="{DCB9BC61-99EA-418C-88ED-255BF86A002D}" dt="2024-10-29T16:35:22.905" v="1146" actId="47"/>
@@ -779,7 +824,7 @@
           <a:p>
             <a:fld id="{E5E705E9-673F-4AC4-B29E-A7B26F3B8523}" type="datetimeFigureOut">
               <a:rPr lang="de-CH" smtClean="0"/>
-              <a:t>02.11.2024</a:t>
+              <a:t>03.11.2024</a:t>
             </a:fld>
             <a:endParaRPr lang="de-CH"/>
           </a:p>
@@ -1280,7 +1325,7 @@
           <a:p>
             <a:fld id="{9E9B238C-2335-4007-98C9-471C02CC43B6}" type="datetimeFigureOut">
               <a:rPr lang="de-CH" smtClean="0"/>
-              <a:t>02.11.2024</a:t>
+              <a:t>03.11.2024</a:t>
             </a:fld>
             <a:endParaRPr lang="de-CH"/>
           </a:p>
@@ -1480,7 +1525,7 @@
           <a:p>
             <a:fld id="{9E9B238C-2335-4007-98C9-471C02CC43B6}" type="datetimeFigureOut">
               <a:rPr lang="de-CH" smtClean="0"/>
-              <a:t>02.11.2024</a:t>
+              <a:t>03.11.2024</a:t>
             </a:fld>
             <a:endParaRPr lang="de-CH"/>
           </a:p>
@@ -1690,7 +1735,7 @@
           <a:p>
             <a:fld id="{9E9B238C-2335-4007-98C9-471C02CC43B6}" type="datetimeFigureOut">
               <a:rPr lang="de-CH" smtClean="0"/>
-              <a:t>02.11.2024</a:t>
+              <a:t>03.11.2024</a:t>
             </a:fld>
             <a:endParaRPr lang="de-CH"/>
           </a:p>
@@ -2119,7 +2164,7 @@
           <a:p>
             <a:fld id="{9E9B238C-2335-4007-98C9-471C02CC43B6}" type="datetimeFigureOut">
               <a:rPr lang="de-CH" smtClean="0"/>
-              <a:t>02.11.2024</a:t>
+              <a:t>03.11.2024</a:t>
             </a:fld>
             <a:endParaRPr lang="de-CH"/>
           </a:p>
@@ -2395,7 +2440,7 @@
           <a:p>
             <a:fld id="{9E9B238C-2335-4007-98C9-471C02CC43B6}" type="datetimeFigureOut">
               <a:rPr lang="de-CH" smtClean="0"/>
-              <a:t>02.11.2024</a:t>
+              <a:t>03.11.2024</a:t>
             </a:fld>
             <a:endParaRPr lang="de-CH"/>
           </a:p>
@@ -2663,7 +2708,7 @@
           <a:p>
             <a:fld id="{9E9B238C-2335-4007-98C9-471C02CC43B6}" type="datetimeFigureOut">
               <a:rPr lang="de-CH" smtClean="0"/>
-              <a:t>02.11.2024</a:t>
+              <a:t>03.11.2024</a:t>
             </a:fld>
             <a:endParaRPr lang="de-CH"/>
           </a:p>
@@ -3078,7 +3123,7 @@
           <a:p>
             <a:fld id="{9E9B238C-2335-4007-98C9-471C02CC43B6}" type="datetimeFigureOut">
               <a:rPr lang="de-CH" smtClean="0"/>
-              <a:t>02.11.2024</a:t>
+              <a:t>03.11.2024</a:t>
             </a:fld>
             <a:endParaRPr lang="de-CH"/>
           </a:p>
@@ -3220,7 +3265,7 @@
           <a:p>
             <a:fld id="{9E9B238C-2335-4007-98C9-471C02CC43B6}" type="datetimeFigureOut">
               <a:rPr lang="de-CH" smtClean="0"/>
-              <a:t>02.11.2024</a:t>
+              <a:t>03.11.2024</a:t>
             </a:fld>
             <a:endParaRPr lang="de-CH"/>
           </a:p>
@@ -3333,7 +3378,7 @@
           <a:p>
             <a:fld id="{9E9B238C-2335-4007-98C9-471C02CC43B6}" type="datetimeFigureOut">
               <a:rPr lang="de-CH" smtClean="0"/>
-              <a:t>02.11.2024</a:t>
+              <a:t>03.11.2024</a:t>
             </a:fld>
             <a:endParaRPr lang="de-CH"/>
           </a:p>
@@ -3646,7 +3691,7 @@
           <a:p>
             <a:fld id="{9E9B238C-2335-4007-98C9-471C02CC43B6}" type="datetimeFigureOut">
               <a:rPr lang="de-CH" smtClean="0"/>
-              <a:t>02.11.2024</a:t>
+              <a:t>03.11.2024</a:t>
             </a:fld>
             <a:endParaRPr lang="de-CH"/>
           </a:p>
@@ -3935,7 +3980,7 @@
           <a:p>
             <a:fld id="{9E9B238C-2335-4007-98C9-471C02CC43B6}" type="datetimeFigureOut">
               <a:rPr lang="de-CH" smtClean="0"/>
-              <a:t>02.11.2024</a:t>
+              <a:t>03.11.2024</a:t>
             </a:fld>
             <a:endParaRPr lang="de-CH"/>
           </a:p>
@@ -4178,7 +4223,7 @@
           <a:p>
             <a:fld id="{9E9B238C-2335-4007-98C9-471C02CC43B6}" type="datetimeFigureOut">
               <a:rPr lang="de-CH" smtClean="0"/>
-              <a:t>02.11.2024</a:t>
+              <a:t>03.11.2024</a:t>
             </a:fld>
             <a:endParaRPr lang="de-CH"/>
           </a:p>
@@ -7332,7 +7377,13 @@
           <p:cNvGraphicFramePr>
             <a:graphicFrameLocks noGrp="1"/>
           </p:cNvGraphicFramePr>
-          <p:nvPr/>
+          <p:nvPr>
+            <p:extLst>
+              <p:ext uri="{D42A27DB-BD31-4B8C-83A1-F6EECF244321}">
+                <p14:modId xmlns:p14="http://schemas.microsoft.com/office/powerpoint/2010/main" val="4150761132"/>
+              </p:ext>
+            </p:extLst>
+          </p:nvPr>
         </p:nvGraphicFramePr>
         <p:xfrm>
           <a:off x="942395" y="1802656"/>
@@ -8320,9 +8371,12 @@
                       <a:r>
                         <a:rPr lang="de-CH" sz="1900" u="none" strike="noStrike" dirty="0">
                           <a:effectLst/>
-                          <a:latin typeface="Calibri (Body)"/>
+                          <a:latin typeface="Calibri" panose="020F0502020204030204" pitchFamily="34" charset="0"/>
+                          <a:ea typeface="Calibri" panose="020F0502020204030204" pitchFamily="34" charset="0"/>
+                          <a:cs typeface="Calibri" panose="020F0502020204030204" pitchFamily="34" charset="0"/>
+                          <a:sym typeface="Wingdings" panose="05000000000000000000" pitchFamily="2" charset="2"/>
                         </a:rPr>
-                        <a:t>x</a:t>
+                        <a:t></a:t>
                       </a:r>
                       <a:endParaRPr lang="de-CH" sz="1900" b="0" i="0" u="none" strike="noStrike" dirty="0">
                         <a:solidFill>
@@ -8474,7 +8528,7 @@
                           <a:effectLst/>
                           <a:latin typeface="Calibri (Body)"/>
                         </a:rPr>
-                        <a:t>(x)</a:t>
+                        <a:t>P</a:t>
                       </a:r>
                     </a:p>
                   </a:txBody>
@@ -8619,7 +8673,7 @@
                           <a:effectLst/>
                           <a:latin typeface="Calibri (Body)"/>
                         </a:rPr>
-                        <a:t>(x)</a:t>
+                        <a:t>P</a:t>
                       </a:r>
                     </a:p>
                   </a:txBody>
@@ -8807,29 +8861,16 @@
                     <a:bodyPr/>
                     <a:lstStyle/>
                     <a:p>
-                      <a:pPr marL="0" marR="0" lvl="0" indent="0" algn="ctr" defTabSz="685800" rtl="0" eaLnBrk="1" fontAlgn="b" latinLnBrk="0" hangingPunct="1">
-                        <a:lnSpc>
-                          <a:spcPct val="100000"/>
-                        </a:lnSpc>
-                        <a:spcBef>
-                          <a:spcPts val="0"/>
-                        </a:spcBef>
-                        <a:spcAft>
-                          <a:spcPts val="0"/>
-                        </a:spcAft>
-                        <a:buClrTx/>
-                        <a:buSzTx/>
-                        <a:buFontTx/>
-                        <a:buNone/>
-                        <a:tabLst/>
-                        <a:defRPr/>
-                      </a:pPr>
+                      <a:pPr algn="ctr" fontAlgn="b"/>
                       <a:r>
                         <a:rPr lang="de-CH" sz="1900" u="none" strike="noStrike" dirty="0">
                           <a:effectLst/>
-                          <a:latin typeface="Calibri (Body)"/>
+                          <a:latin typeface="Calibri" panose="020F0502020204030204" pitchFamily="34" charset="0"/>
+                          <a:ea typeface="Calibri" panose="020F0502020204030204" pitchFamily="34" charset="0"/>
+                          <a:cs typeface="Calibri" panose="020F0502020204030204" pitchFamily="34" charset="0"/>
+                          <a:sym typeface="Wingdings" panose="05000000000000000000" pitchFamily="2" charset="2"/>
                         </a:rPr>
-                        <a:t>x</a:t>
+                        <a:t></a:t>
                       </a:r>
                       <a:endParaRPr lang="de-CH" sz="1900" b="0" i="0" u="none" strike="noStrike" dirty="0">
                         <a:solidFill>
@@ -8915,7 +8956,7 @@
                           <a:effectLst/>
                           <a:latin typeface="Calibri (Body)"/>
                         </a:rPr>
-                        <a:t>(x)</a:t>
+                        <a:t>P</a:t>
                       </a:r>
                       <a:endParaRPr lang="de-CH" sz="1900" b="0" i="0" u="none" strike="noStrike" dirty="0">
                         <a:solidFill>
@@ -8979,33 +9020,24 @@
                     <a:bodyPr/>
                     <a:lstStyle/>
                     <a:p>
-                      <a:pPr marL="0" marR="0" lvl="0" indent="0" algn="ctr" defTabSz="685800" rtl="0" eaLnBrk="1" fontAlgn="b" latinLnBrk="0" hangingPunct="1">
-                        <a:lnSpc>
-                          <a:spcPct val="100000"/>
-                        </a:lnSpc>
-                        <a:spcBef>
-                          <a:spcPts val="0"/>
-                        </a:spcBef>
-                        <a:spcAft>
-                          <a:spcPts val="0"/>
-                        </a:spcAft>
-                        <a:buClrTx/>
-                        <a:buSzTx/>
-                        <a:buFontTx/>
-                        <a:buNone/>
-                        <a:tabLst/>
-                        <a:defRPr/>
-                      </a:pPr>
+                      <a:pPr algn="ctr" fontAlgn="b"/>
                       <a:r>
-                        <a:rPr lang="de-CH" sz="1900" b="0" i="0" u="none" strike="noStrike" dirty="0">
-                          <a:solidFill>
-                            <a:schemeClr val="tx1"/>
-                          </a:solidFill>
+                        <a:rPr lang="de-CH" sz="1900" u="none" strike="noStrike" dirty="0">
                           <a:effectLst/>
-                          <a:latin typeface="Calibri (Body)"/>
+                          <a:latin typeface="Calibri" panose="020F0502020204030204" pitchFamily="34" charset="0"/>
+                          <a:ea typeface="Calibri" panose="020F0502020204030204" pitchFamily="34" charset="0"/>
+                          <a:cs typeface="Calibri" panose="020F0502020204030204" pitchFamily="34" charset="0"/>
+                          <a:sym typeface="Wingdings" panose="05000000000000000000" pitchFamily="2" charset="2"/>
                         </a:rPr>
-                        <a:t>x</a:t>
+                        <a:t></a:t>
                       </a:r>
+                      <a:endParaRPr lang="de-CH" sz="1900" b="0" i="0" u="none" strike="noStrike" dirty="0">
+                        <a:solidFill>
+                          <a:srgbClr val="000000"/>
+                        </a:solidFill>
+                        <a:effectLst/>
+                        <a:latin typeface="Calibri (Body)"/>
+                      </a:endParaRPr>
                     </a:p>
                   </a:txBody>
                   <a:tcPr marL="9525" marR="9525" marT="9525" marB="0" anchor="b">
@@ -9459,9 +9491,12 @@
                       <a:r>
                         <a:rPr lang="de-CH" sz="1900" u="none" strike="noStrike" dirty="0">
                           <a:effectLst/>
-                          <a:latin typeface="Calibri (Body)"/>
+                          <a:latin typeface="Calibri" panose="020F0502020204030204" pitchFamily="34" charset="0"/>
+                          <a:ea typeface="Calibri" panose="020F0502020204030204" pitchFamily="34" charset="0"/>
+                          <a:cs typeface="Calibri" panose="020F0502020204030204" pitchFamily="34" charset="0"/>
+                          <a:sym typeface="Wingdings" panose="05000000000000000000" pitchFamily="2" charset="2"/>
                         </a:rPr>
-                        <a:t>x</a:t>
+                        <a:t></a:t>
                       </a:r>
                       <a:endParaRPr lang="de-CH" sz="1900" b="0" i="0" u="none" strike="noStrike" dirty="0">
                         <a:solidFill>
@@ -9620,9 +9655,12 @@
                       <a:r>
                         <a:rPr lang="de-CH" sz="1900" u="none" strike="noStrike" dirty="0">
                           <a:effectLst/>
-                          <a:latin typeface="Calibri (Body)"/>
+                          <a:latin typeface="Calibri" panose="020F0502020204030204" pitchFamily="34" charset="0"/>
+                          <a:ea typeface="Calibri" panose="020F0502020204030204" pitchFamily="34" charset="0"/>
+                          <a:cs typeface="Calibri" panose="020F0502020204030204" pitchFamily="34" charset="0"/>
+                          <a:sym typeface="Wingdings" panose="05000000000000000000" pitchFamily="2" charset="2"/>
                         </a:rPr>
-                        <a:t>x</a:t>
+                        <a:t></a:t>
                       </a:r>
                       <a:endParaRPr lang="de-CH" sz="1900" b="0" i="0" u="none" strike="noStrike" dirty="0">
                         <a:solidFill>
@@ -9779,15 +9817,25 @@
                     <a:p>
                       <a:pPr algn="ctr" fontAlgn="b"/>
                       <a:r>
-                        <a:rPr lang="de-CH" sz="1900" b="0" i="0" u="none" strike="noStrike" dirty="0">
-                          <a:solidFill>
-                            <a:srgbClr val="FF0000"/>
+                        <a:rPr lang="de-CH" sz="1900" u="none" strike="noStrike" dirty="0">
+                          <a:solidFill>
+                            <a:srgbClr val="92D050"/>
                           </a:solidFill>
                           <a:effectLst/>
-                          <a:latin typeface="Calibri (Body)"/>
+                          <a:latin typeface="Calibri" panose="020F0502020204030204" pitchFamily="34" charset="0"/>
+                          <a:ea typeface="Calibri" panose="020F0502020204030204" pitchFamily="34" charset="0"/>
+                          <a:cs typeface="Calibri" panose="020F0502020204030204" pitchFamily="34" charset="0"/>
+                          <a:sym typeface="Wingdings" panose="05000000000000000000" pitchFamily="2" charset="2"/>
                         </a:rPr>
-                        <a:t>x</a:t>
+                        <a:t></a:t>
                       </a:r>
+                      <a:endParaRPr lang="de-CH" sz="1900" b="0" i="0" u="none" strike="noStrike" dirty="0">
+                        <a:solidFill>
+                          <a:srgbClr val="92D050"/>
+                        </a:solidFill>
+                        <a:effectLst/>
+                        <a:latin typeface="Calibri (Body)"/>
+                      </a:endParaRPr>
                     </a:p>
                   </a:txBody>
                   <a:tcPr marL="9525" marR="9525" marT="9525" marB="0" anchor="b">
@@ -9845,15 +9893,22 @@
                     <a:p>
                       <a:pPr algn="ctr" fontAlgn="b"/>
                       <a:r>
-                        <a:rPr lang="de-CH" sz="1900" b="0" i="0" u="none" strike="noStrike" dirty="0">
-                          <a:solidFill>
-                            <a:srgbClr val="000000"/>
-                          </a:solidFill>
+                        <a:rPr lang="de-CH" sz="1900" u="none" strike="noStrike" dirty="0">
                           <a:effectLst/>
-                          <a:latin typeface="Calibri (Body)"/>
+                          <a:latin typeface="Calibri" panose="020F0502020204030204" pitchFamily="34" charset="0"/>
+                          <a:ea typeface="Calibri" panose="020F0502020204030204" pitchFamily="34" charset="0"/>
+                          <a:cs typeface="Calibri" panose="020F0502020204030204" pitchFamily="34" charset="0"/>
+                          <a:sym typeface="Wingdings" panose="05000000000000000000" pitchFamily="2" charset="2"/>
                         </a:rPr>
-                        <a:t>x</a:t>
+                        <a:t></a:t>
                       </a:r>
+                      <a:endParaRPr lang="de-CH" sz="1900" b="0" i="0" u="none" strike="noStrike" dirty="0">
+                        <a:solidFill>
+                          <a:srgbClr val="000000"/>
+                        </a:solidFill>
+                        <a:effectLst/>
+                        <a:latin typeface="Calibri (Body)"/>
+                      </a:endParaRPr>
                     </a:p>
                   </a:txBody>
                   <a:tcPr marL="9525" marR="9525" marT="9525" marB="0" anchor="b">
@@ -10224,18 +10279,24 @@
                       </a:lvl9pPr>
                     </a:lstStyle>
                     <a:p>
-                      <a:pPr marL="0" algn="ctr" defTabSz="914400" rtl="0" eaLnBrk="1" fontAlgn="b" latinLnBrk="0" hangingPunct="1"/>
+                      <a:pPr algn="ctr" fontAlgn="b"/>
                       <a:r>
-                        <a:rPr lang="de-CH" sz="1900" u="none" strike="noStrike" kern="1200" dirty="0">
-                          <a:solidFill>
-                            <a:schemeClr val="dk1"/>
-                          </a:solidFill>
+                        <a:rPr lang="de-CH" sz="1900" u="none" strike="noStrike" dirty="0">
                           <a:effectLst/>
-                          <a:latin typeface="Calibri (Body)"/>
-                          <a:cs typeface="Helvetica"/>
+                          <a:latin typeface="Calibri" panose="020F0502020204030204" pitchFamily="34" charset="0"/>
+                          <a:ea typeface="Calibri" panose="020F0502020204030204" pitchFamily="34" charset="0"/>
+                          <a:cs typeface="Calibri" panose="020F0502020204030204" pitchFamily="34" charset="0"/>
+                          <a:sym typeface="Wingdings" panose="05000000000000000000" pitchFamily="2" charset="2"/>
                         </a:rPr>
-                        <a:t>x</a:t>
+                        <a:t></a:t>
                       </a:r>
+                      <a:endParaRPr lang="de-CH" sz="1900" b="0" i="0" u="none" strike="noStrike" dirty="0">
+                        <a:solidFill>
+                          <a:srgbClr val="000000"/>
+                        </a:solidFill>
+                        <a:effectLst/>
+                        <a:latin typeface="Calibri (Body)"/>
+                      </a:endParaRPr>
                     </a:p>
                   </a:txBody>
                   <a:tcPr marL="9525" marR="9525" marT="9525" marB="0" anchor="b">
@@ -10386,9 +10447,12 @@
                       <a:r>
                         <a:rPr lang="de-CH" sz="1900" u="none" strike="noStrike" dirty="0">
                           <a:effectLst/>
-                          <a:latin typeface="Calibri (Body)"/>
+                          <a:latin typeface="Calibri" panose="020F0502020204030204" pitchFamily="34" charset="0"/>
+                          <a:ea typeface="Calibri" panose="020F0502020204030204" pitchFamily="34" charset="0"/>
+                          <a:cs typeface="Calibri" panose="020F0502020204030204" pitchFamily="34" charset="0"/>
+                          <a:sym typeface="Wingdings" panose="05000000000000000000" pitchFamily="2" charset="2"/>
                         </a:rPr>
-                        <a:t>x</a:t>
+                        <a:t></a:t>
                       </a:r>
                       <a:endParaRPr lang="de-CH" sz="1900" b="0" i="0" u="none" strike="noStrike" dirty="0">
                         <a:solidFill>
@@ -10543,35 +10607,27 @@
                       </a:lvl9pPr>
                     </a:lstStyle>
                     <a:p>
-                      <a:pPr marL="0" marR="0" lvl="0" indent="0" algn="ctr" defTabSz="914400" rtl="0" eaLnBrk="1" fontAlgn="b" latinLnBrk="0" hangingPunct="1">
-                        <a:lnSpc>
-                          <a:spcPct val="100000"/>
-                        </a:lnSpc>
-                        <a:spcBef>
-                          <a:spcPts val="0"/>
-                        </a:spcBef>
-                        <a:spcAft>
-                          <a:spcPts val="0"/>
-                        </a:spcAft>
-                        <a:buClrTx/>
-                        <a:buSzTx/>
-                        <a:buFontTx/>
-                        <a:buNone/>
-                        <a:tabLst/>
-                        <a:defRPr/>
-                      </a:pPr>
+                      <a:pPr algn="ctr" fontAlgn="b"/>
                       <a:r>
-                        <a:rPr lang="de-CH" sz="1900" b="0" i="0" u="none" strike="noStrike" kern="1200" dirty="0">
-                          <a:solidFill>
-                            <a:srgbClr val="FF0000"/>
+                        <a:rPr lang="de-CH" sz="1900" u="none" strike="noStrike" dirty="0">
+                          <a:solidFill>
+                            <a:srgbClr val="92D050"/>
                           </a:solidFill>
                           <a:effectLst/>
-                          <a:latin typeface="Calibri (Body)"/>
-                          <a:ea typeface="Helvetica"/>
-                          <a:cs typeface="Helvetica"/>
+                          <a:latin typeface="Calibri" panose="020F0502020204030204" pitchFamily="34" charset="0"/>
+                          <a:ea typeface="Calibri" panose="020F0502020204030204" pitchFamily="34" charset="0"/>
+                          <a:cs typeface="Calibri" panose="020F0502020204030204" pitchFamily="34" charset="0"/>
+                          <a:sym typeface="Wingdings" panose="05000000000000000000" pitchFamily="2" charset="2"/>
                         </a:rPr>
-                        <a:t>x</a:t>
+                        <a:t></a:t>
                       </a:r>
+                      <a:endParaRPr lang="de-CH" sz="1900" b="0" i="0" u="none" strike="noStrike" dirty="0">
+                        <a:solidFill>
+                          <a:srgbClr val="92D050"/>
+                        </a:solidFill>
+                        <a:effectLst/>
+                        <a:latin typeface="Calibri (Body)"/>
+                      </a:endParaRPr>
                     </a:p>
                   </a:txBody>
                   <a:tcPr marL="9525" marR="9525" marT="9525" marB="0" anchor="b">
@@ -11019,9 +11075,12 @@
                       <a:r>
                         <a:rPr lang="de-CH" sz="1900" u="none" strike="noStrike" dirty="0">
                           <a:effectLst/>
-                          <a:latin typeface="Calibri (Body)"/>
+                          <a:latin typeface="Calibri" panose="020F0502020204030204" pitchFamily="34" charset="0"/>
+                          <a:ea typeface="Calibri" panose="020F0502020204030204" pitchFamily="34" charset="0"/>
+                          <a:cs typeface="Calibri" panose="020F0502020204030204" pitchFamily="34" charset="0"/>
+                          <a:sym typeface="Wingdings" panose="05000000000000000000" pitchFamily="2" charset="2"/>
                         </a:rPr>
-                        <a:t>x</a:t>
+                        <a:t></a:t>
                       </a:r>
                       <a:endParaRPr lang="de-CH" sz="1900" b="0" i="0" u="none" strike="noStrike" dirty="0">
                         <a:solidFill>
@@ -11164,35 +11223,27 @@
                       </a:lvl9pPr>
                     </a:lstStyle>
                     <a:p>
-                      <a:pPr marL="0" marR="0" lvl="0" indent="0" algn="ctr" defTabSz="914400" rtl="0" eaLnBrk="1" fontAlgn="b" latinLnBrk="0" hangingPunct="1">
-                        <a:lnSpc>
-                          <a:spcPct val="100000"/>
-                        </a:lnSpc>
-                        <a:spcBef>
-                          <a:spcPts val="0"/>
-                        </a:spcBef>
-                        <a:spcAft>
-                          <a:spcPts val="0"/>
-                        </a:spcAft>
-                        <a:buClrTx/>
-                        <a:buSzTx/>
-                        <a:buFontTx/>
-                        <a:buNone/>
-                        <a:tabLst/>
-                        <a:defRPr/>
-                      </a:pPr>
+                      <a:pPr algn="ctr" fontAlgn="b"/>
                       <a:r>
-                        <a:rPr lang="de-CH" sz="1900" b="0" i="0" u="none" strike="noStrike" kern="1200" dirty="0">
-                          <a:solidFill>
-                            <a:srgbClr val="FF0000"/>
+                        <a:rPr lang="de-CH" sz="1900" u="none" strike="noStrike" dirty="0">
+                          <a:solidFill>
+                            <a:srgbClr val="92D050"/>
                           </a:solidFill>
                           <a:effectLst/>
-                          <a:latin typeface="Calibri (Body)"/>
-                          <a:ea typeface="Helvetica"/>
-                          <a:cs typeface="Helvetica"/>
+                          <a:latin typeface="Calibri" panose="020F0502020204030204" pitchFamily="34" charset="0"/>
+                          <a:ea typeface="Calibri" panose="020F0502020204030204" pitchFamily="34" charset="0"/>
+                          <a:cs typeface="Calibri" panose="020F0502020204030204" pitchFamily="34" charset="0"/>
+                          <a:sym typeface="Wingdings" panose="05000000000000000000" pitchFamily="2" charset="2"/>
                         </a:rPr>
-                        <a:t>x</a:t>
+                        <a:t></a:t>
                       </a:r>
+                      <a:endParaRPr lang="de-CH" sz="1900" b="0" i="0" u="none" strike="noStrike" dirty="0">
+                        <a:solidFill>
+                          <a:srgbClr val="92D050"/>
+                        </a:solidFill>
+                        <a:effectLst/>
+                        <a:latin typeface="Calibri (Body)"/>
+                      </a:endParaRPr>
                     </a:p>
                   </a:txBody>
                   <a:tcPr marL="9525" marR="9525" marT="9525" marB="0" anchor="b">
@@ -11327,35 +11378,27 @@
                       </a:lvl9pPr>
                     </a:lstStyle>
                     <a:p>
-                      <a:pPr marL="0" marR="0" lvl="0" indent="0" algn="ctr" defTabSz="914400" rtl="0" eaLnBrk="1" fontAlgn="b" latinLnBrk="0" hangingPunct="1">
-                        <a:lnSpc>
-                          <a:spcPct val="100000"/>
-                        </a:lnSpc>
-                        <a:spcBef>
-                          <a:spcPts val="0"/>
-                        </a:spcBef>
-                        <a:spcAft>
-                          <a:spcPts val="0"/>
-                        </a:spcAft>
-                        <a:buClrTx/>
-                        <a:buSzTx/>
-                        <a:buFontTx/>
-                        <a:buNone/>
-                        <a:tabLst/>
-                        <a:defRPr/>
-                      </a:pPr>
+                      <a:pPr algn="ctr" fontAlgn="b"/>
                       <a:r>
-                        <a:rPr lang="de-CH" sz="1900" b="0" i="0" u="none" strike="noStrike" kern="1200" dirty="0">
-                          <a:solidFill>
-                            <a:srgbClr val="FF0000"/>
+                        <a:rPr lang="de-CH" sz="1900" u="none" strike="noStrike" dirty="0">
+                          <a:solidFill>
+                            <a:srgbClr val="92D050"/>
                           </a:solidFill>
                           <a:effectLst/>
-                          <a:latin typeface="Calibri (Body)"/>
-                          <a:ea typeface="Helvetica"/>
-                          <a:cs typeface="Helvetica"/>
+                          <a:latin typeface="Calibri" panose="020F0502020204030204" pitchFamily="34" charset="0"/>
+                          <a:ea typeface="Calibri" panose="020F0502020204030204" pitchFamily="34" charset="0"/>
+                          <a:cs typeface="Calibri" panose="020F0502020204030204" pitchFamily="34" charset="0"/>
+                          <a:sym typeface="Wingdings" panose="05000000000000000000" pitchFamily="2" charset="2"/>
                         </a:rPr>
-                        <a:t>x</a:t>
+                        <a:t></a:t>
                       </a:r>
+                      <a:endParaRPr lang="de-CH" sz="1900" b="0" i="0" u="none" strike="noStrike" dirty="0">
+                        <a:solidFill>
+                          <a:srgbClr val="92D050"/>
+                        </a:solidFill>
+                        <a:effectLst/>
+                        <a:latin typeface="Calibri (Body)"/>
+                      </a:endParaRPr>
                     </a:p>
                   </a:txBody>
                   <a:tcPr marL="9525" marR="9525" marT="9525" marB="0" anchor="b">
@@ -11772,9 +11815,12 @@
                       <a:r>
                         <a:rPr lang="de-CH" sz="1900" u="none" strike="noStrike" dirty="0">
                           <a:effectLst/>
-                          <a:latin typeface="Calibri (Body)"/>
+                          <a:latin typeface="Calibri" panose="020F0502020204030204" pitchFamily="34" charset="0"/>
+                          <a:ea typeface="Calibri" panose="020F0502020204030204" pitchFamily="34" charset="0"/>
+                          <a:cs typeface="Calibri" panose="020F0502020204030204" pitchFamily="34" charset="0"/>
+                          <a:sym typeface="Wingdings" panose="05000000000000000000" pitchFamily="2" charset="2"/>
                         </a:rPr>
-                        <a:t>x</a:t>
+                        <a:t></a:t>
                       </a:r>
                       <a:endParaRPr lang="de-CH" sz="1900" b="0" i="0" u="none" strike="noStrike" dirty="0">
                         <a:solidFill>
@@ -11917,35 +11963,27 @@
                       </a:lvl9pPr>
                     </a:lstStyle>
                     <a:p>
-                      <a:pPr marL="0" marR="0" lvl="0" indent="0" algn="ctr" defTabSz="914400" rtl="0" eaLnBrk="1" fontAlgn="b" latinLnBrk="0" hangingPunct="1">
-                        <a:lnSpc>
-                          <a:spcPct val="100000"/>
-                        </a:lnSpc>
-                        <a:spcBef>
-                          <a:spcPts val="0"/>
-                        </a:spcBef>
-                        <a:spcAft>
-                          <a:spcPts val="0"/>
-                        </a:spcAft>
-                        <a:buClrTx/>
-                        <a:buSzTx/>
-                        <a:buFontTx/>
-                        <a:buNone/>
-                        <a:tabLst/>
-                        <a:defRPr/>
-                      </a:pPr>
+                      <a:pPr algn="ctr" fontAlgn="b"/>
                       <a:r>
-                        <a:rPr lang="de-CH" sz="1900" b="0" i="0" u="none" strike="noStrike" kern="1200" dirty="0">
-                          <a:solidFill>
-                            <a:srgbClr val="FF0000"/>
+                        <a:rPr lang="de-CH" sz="1900" u="none" strike="noStrike" dirty="0">
+                          <a:solidFill>
+                            <a:srgbClr val="92D050"/>
                           </a:solidFill>
                           <a:effectLst/>
-                          <a:latin typeface="Calibri (Body)"/>
-                          <a:ea typeface="Helvetica"/>
-                          <a:cs typeface="Helvetica"/>
+                          <a:latin typeface="Calibri" panose="020F0502020204030204" pitchFamily="34" charset="0"/>
+                          <a:ea typeface="Calibri" panose="020F0502020204030204" pitchFamily="34" charset="0"/>
+                          <a:cs typeface="Calibri" panose="020F0502020204030204" pitchFamily="34" charset="0"/>
+                          <a:sym typeface="Wingdings" panose="05000000000000000000" pitchFamily="2" charset="2"/>
                         </a:rPr>
-                        <a:t>x</a:t>
+                        <a:t></a:t>
                       </a:r>
+                      <a:endParaRPr lang="de-CH" sz="1900" b="0" i="0" u="none" strike="noStrike" dirty="0">
+                        <a:solidFill>
+                          <a:srgbClr val="92D050"/>
+                        </a:solidFill>
+                        <a:effectLst/>
+                        <a:latin typeface="Calibri (Body)"/>
+                      </a:endParaRPr>
                     </a:p>
                   </a:txBody>
                   <a:tcPr marL="9525" marR="9525" marT="9525" marB="0" anchor="b">
@@ -12080,35 +12118,27 @@
                       </a:lvl9pPr>
                     </a:lstStyle>
                     <a:p>
-                      <a:pPr marL="0" marR="0" lvl="0" indent="0" algn="ctr" defTabSz="914400" rtl="0" eaLnBrk="1" fontAlgn="b" latinLnBrk="0" hangingPunct="1">
-                        <a:lnSpc>
-                          <a:spcPct val="100000"/>
-                        </a:lnSpc>
-                        <a:spcBef>
-                          <a:spcPts val="0"/>
-                        </a:spcBef>
-                        <a:spcAft>
-                          <a:spcPts val="0"/>
-                        </a:spcAft>
-                        <a:buClrTx/>
-                        <a:buSzTx/>
-                        <a:buFontTx/>
-                        <a:buNone/>
-                        <a:tabLst/>
-                        <a:defRPr/>
-                      </a:pPr>
+                      <a:pPr algn="ctr" fontAlgn="b"/>
                       <a:r>
-                        <a:rPr lang="de-CH" sz="1900" b="0" i="0" u="none" strike="noStrike" kern="1200" dirty="0">
-                          <a:solidFill>
-                            <a:srgbClr val="FF0000"/>
+                        <a:rPr lang="de-CH" sz="1900" u="none" strike="noStrike" dirty="0">
+                          <a:solidFill>
+                            <a:srgbClr val="92D050"/>
                           </a:solidFill>
                           <a:effectLst/>
-                          <a:latin typeface="Calibri (Body)"/>
-                          <a:ea typeface="Helvetica"/>
-                          <a:cs typeface="Helvetica"/>
+                          <a:latin typeface="Calibri" panose="020F0502020204030204" pitchFamily="34" charset="0"/>
+                          <a:ea typeface="Calibri" panose="020F0502020204030204" pitchFamily="34" charset="0"/>
+                          <a:cs typeface="Calibri" panose="020F0502020204030204" pitchFamily="34" charset="0"/>
+                          <a:sym typeface="Wingdings" panose="05000000000000000000" pitchFamily="2" charset="2"/>
                         </a:rPr>
-                        <a:t>x</a:t>
+                        <a:t></a:t>
                       </a:r>
+                      <a:endParaRPr lang="de-CH" sz="1900" b="0" i="0" u="none" strike="noStrike" dirty="0">
+                        <a:solidFill>
+                          <a:srgbClr val="92D050"/>
+                        </a:solidFill>
+                        <a:effectLst/>
+                        <a:latin typeface="Calibri (Body)"/>
+                      </a:endParaRPr>
                     </a:p>
                   </a:txBody>
                   <a:tcPr marL="9525" marR="9525" marT="9525" marB="0" anchor="b">
@@ -12621,14 +12651,14 @@
                     <a:p>
                       <a:pPr algn="ctr" fontAlgn="b"/>
                       <a:r>
-                        <a:rPr lang="de-CH" sz="1900" b="0" u="none" strike="noStrike" dirty="0">
-                          <a:solidFill>
-                            <a:srgbClr val="000000"/>
-                          </a:solidFill>
+                        <a:rPr lang="de-CH" sz="1900" u="none" strike="noStrike" dirty="0">
                           <a:effectLst/>
-                          <a:latin typeface="Calibri (Body)"/>
+                          <a:latin typeface="Calibri" panose="020F0502020204030204" pitchFamily="34" charset="0"/>
+                          <a:ea typeface="Calibri" panose="020F0502020204030204" pitchFamily="34" charset="0"/>
+                          <a:cs typeface="Calibri" panose="020F0502020204030204" pitchFamily="34" charset="0"/>
+                          <a:sym typeface="Wingdings" panose="05000000000000000000" pitchFamily="2" charset="2"/>
                         </a:rPr>
-                        <a:t>x</a:t>
+                        <a:t></a:t>
                       </a:r>
                       <a:endParaRPr lang="de-CH" sz="1900" b="0" i="0" u="none" strike="noStrike" dirty="0">
                         <a:solidFill>
@@ -13147,14 +13177,14 @@
                     <a:p>
                       <a:pPr algn="ctr" fontAlgn="b"/>
                       <a:r>
-                        <a:rPr lang="de-CH" sz="1900" b="0" u="none" strike="noStrike" dirty="0">
-                          <a:solidFill>
-                            <a:srgbClr val="000000"/>
-                          </a:solidFill>
+                        <a:rPr lang="de-CH" sz="1900" u="none" strike="noStrike" dirty="0">
                           <a:effectLst/>
-                          <a:latin typeface="Calibri (Body)"/>
+                          <a:latin typeface="Calibri" panose="020F0502020204030204" pitchFamily="34" charset="0"/>
+                          <a:ea typeface="Calibri" panose="020F0502020204030204" pitchFamily="34" charset="0"/>
+                          <a:cs typeface="Calibri" panose="020F0502020204030204" pitchFamily="34" charset="0"/>
+                          <a:sym typeface="Wingdings" panose="05000000000000000000" pitchFamily="2" charset="2"/>
                         </a:rPr>
-                        <a:t>x</a:t>
+                        <a:t></a:t>
                       </a:r>
                       <a:endParaRPr lang="de-CH" sz="1900" b="0" i="0" u="none" strike="noStrike" dirty="0">
                         <a:solidFill>
@@ -13441,14 +13471,14 @@
                     <a:p>
                       <a:pPr algn="ctr" fontAlgn="b"/>
                       <a:r>
-                        <a:rPr lang="de-CH" sz="1900" b="0" u="none" strike="noStrike" dirty="0">
-                          <a:solidFill>
-                            <a:srgbClr val="000000"/>
-                          </a:solidFill>
+                        <a:rPr lang="de-CH" sz="1900" u="none" strike="noStrike" dirty="0">
                           <a:effectLst/>
-                          <a:latin typeface="Calibri (Body)"/>
+                          <a:latin typeface="Calibri" panose="020F0502020204030204" pitchFamily="34" charset="0"/>
+                          <a:ea typeface="Calibri" panose="020F0502020204030204" pitchFamily="34" charset="0"/>
+                          <a:cs typeface="Calibri" panose="020F0502020204030204" pitchFamily="34" charset="0"/>
+                          <a:sym typeface="Wingdings" panose="05000000000000000000" pitchFamily="2" charset="2"/>
                         </a:rPr>
-                        <a:t>x</a:t>
+                        <a:t></a:t>
                       </a:r>
                       <a:endParaRPr lang="de-CH" sz="1900" b="0" i="0" u="none" strike="noStrike" dirty="0">
                         <a:solidFill>
@@ -14040,34 +14070,27 @@
                       </a:lvl9pPr>
                     </a:lstStyle>
                     <a:p>
-                      <a:pPr marL="0" marR="0" lvl="0" indent="0" algn="ctr" defTabSz="914400" rtl="0" eaLnBrk="1" fontAlgn="b" latinLnBrk="0" hangingPunct="1">
-                        <a:lnSpc>
-                          <a:spcPct val="100000"/>
-                        </a:lnSpc>
-                        <a:spcBef>
-                          <a:spcPts val="0"/>
-                        </a:spcBef>
-                        <a:spcAft>
-                          <a:spcPts val="0"/>
-                        </a:spcAft>
-                        <a:buClrTx/>
-                        <a:buSzTx/>
-                        <a:buFontTx/>
-                        <a:buNone/>
-                        <a:tabLst/>
-                        <a:defRPr/>
-                      </a:pPr>
+                      <a:pPr algn="ctr" fontAlgn="b"/>
                       <a:r>
-                        <a:rPr lang="de-CH" sz="1900" b="0" i="0" u="none" strike="noStrike" kern="1200" dirty="0">
-                          <a:solidFill>
-                            <a:srgbClr val="FF0000"/>
+                        <a:rPr lang="de-CH" sz="1900" u="none" strike="noStrike">
+                          <a:solidFill>
+                            <a:srgbClr val="92D050"/>
                           </a:solidFill>
                           <a:effectLst/>
-                          <a:latin typeface="Calibri (Body)"/>
-                          <a:cs typeface="Helvetica"/>
+                          <a:latin typeface="Calibri" panose="020F0502020204030204" pitchFamily="34" charset="0"/>
+                          <a:ea typeface="Calibri" panose="020F0502020204030204" pitchFamily="34" charset="0"/>
+                          <a:cs typeface="Calibri" panose="020F0502020204030204" pitchFamily="34" charset="0"/>
+                          <a:sym typeface="Wingdings" panose="05000000000000000000" pitchFamily="2" charset="2"/>
                         </a:rPr>
-                        <a:t>x</a:t>
+                        <a:t>P</a:t>
                       </a:r>
+                      <a:endParaRPr lang="de-CH" sz="1900" b="0" i="0" u="none" strike="noStrike" dirty="0">
+                        <a:solidFill>
+                          <a:srgbClr val="92D050"/>
+                        </a:solidFill>
+                        <a:effectLst/>
+                        <a:latin typeface="Calibri (Body)"/>
+                      </a:endParaRPr>
                     </a:p>
                   </a:txBody>
                   <a:tcPr marL="9525" marR="9525" marT="9525" marB="0" anchor="b">
@@ -14267,15 +14290,22 @@
                     <a:p>
                       <a:pPr algn="ctr" fontAlgn="b"/>
                       <a:r>
-                        <a:rPr lang="de-CH" sz="1900" b="0" i="0" u="none" strike="noStrike" dirty="0">
-                          <a:solidFill>
-                            <a:srgbClr val="000000"/>
-                          </a:solidFill>
+                        <a:rPr lang="de-CH" sz="1900" u="none" strike="noStrike" dirty="0">
                           <a:effectLst/>
-                          <a:latin typeface="Calibri (Body)"/>
+                          <a:latin typeface="Calibri" panose="020F0502020204030204" pitchFamily="34" charset="0"/>
+                          <a:ea typeface="Calibri" panose="020F0502020204030204" pitchFamily="34" charset="0"/>
+                          <a:cs typeface="Calibri" panose="020F0502020204030204" pitchFamily="34" charset="0"/>
+                          <a:sym typeface="Wingdings" panose="05000000000000000000" pitchFamily="2" charset="2"/>
                         </a:rPr>
-                        <a:t>x</a:t>
+                        <a:t></a:t>
                       </a:r>
+                      <a:endParaRPr lang="de-CH" sz="1900" b="0" i="0" u="none" strike="noStrike" dirty="0">
+                        <a:solidFill>
+                          <a:srgbClr val="000000"/>
+                        </a:solidFill>
+                        <a:effectLst/>
+                        <a:latin typeface="Calibri (Body)"/>
+                      </a:endParaRPr>
                     </a:p>
                   </a:txBody>
                   <a:tcPr marL="9525" marR="9525" marT="9525" marB="0" anchor="b">
@@ -15142,7 +15172,7 @@
         </p:nvSpPr>
         <p:spPr>
           <a:xfrm>
-            <a:off x="942395" y="6264648"/>
+            <a:off x="942395" y="6264649"/>
             <a:ext cx="7691349" cy="338554"/>
           </a:xfrm>
           <a:prstGeom prst="rect">
@@ -15160,17 +15190,25 @@
               <a:defRPr/>
             </a:pPr>
             <a:r>
+              <a:rPr lang="de-CH" sz="1600" dirty="0">
+                <a:solidFill>
+                  <a:srgbClr val="92D050"/>
+                </a:solidFill>
+              </a:rPr>
+              <a:t>Green </a:t>
+            </a:r>
+            <a:r>
               <a:rPr lang="de-CH" sz="1600" dirty="0" err="1">
                 <a:solidFill>
-                  <a:srgbClr val="FF0000"/>
+                  <a:srgbClr val="92D050"/>
                 </a:solidFill>
               </a:rPr>
-              <a:t>Red</a:t>
+              <a:t>marked</a:t>
             </a:r>
             <a:r>
               <a:rPr lang="de-CH" sz="1600" dirty="0">
                 <a:solidFill>
-                  <a:srgbClr val="FF0000"/>
+                  <a:srgbClr val="92D050"/>
                 </a:solidFill>
               </a:rPr>
               <a:t> </a:t>
@@ -15178,15 +15216,15 @@
             <a:r>
               <a:rPr lang="de-CH" sz="1600" dirty="0" err="1">
                 <a:solidFill>
-                  <a:srgbClr val="FF0000"/>
+                  <a:srgbClr val="92D050"/>
                 </a:solidFill>
               </a:rPr>
-              <a:t>marked</a:t>
+              <a:t>describes</a:t>
             </a:r>
             <a:r>
               <a:rPr lang="de-CH" sz="1600" dirty="0">
                 <a:solidFill>
-                  <a:srgbClr val="FF0000"/>
+                  <a:srgbClr val="92D050"/>
                 </a:solidFill>
               </a:rPr>
               <a:t> </a:t>
@@ -15194,15 +15232,15 @@
             <a:r>
               <a:rPr lang="de-CH" sz="1600" dirty="0" err="1">
                 <a:solidFill>
-                  <a:srgbClr val="FF0000"/>
+                  <a:srgbClr val="92D050"/>
                 </a:solidFill>
               </a:rPr>
-              <a:t>describes</a:t>
+              <a:t>new</a:t>
             </a:r>
             <a:r>
               <a:rPr lang="de-CH" sz="1600" dirty="0">
                 <a:solidFill>
-                  <a:srgbClr val="FF0000"/>
+                  <a:srgbClr val="92D050"/>
                 </a:solidFill>
               </a:rPr>
               <a:t> </a:t>
@@ -15210,34 +15248,46 @@
             <a:r>
               <a:rPr lang="de-CH" sz="1600" dirty="0" err="1">
                 <a:solidFill>
-                  <a:srgbClr val="FF0000"/>
+                  <a:srgbClr val="92D050"/>
                 </a:solidFill>
               </a:rPr>
-              <a:t>new</a:t>
+              <a:t>capability</a:t>
             </a:r>
             <a:r>
               <a:rPr lang="de-CH" sz="1600" dirty="0">
                 <a:solidFill>
-                  <a:srgbClr val="FF0000"/>
+                  <a:srgbClr val="92D050"/>
                 </a:solidFill>
               </a:rPr>
+              <a:t> at IETF 121. </a:t>
+            </a:r>
+            <a:r>
+              <a:rPr lang="de-CH" sz="1600" dirty="0"/>
+              <a:t>"P" </a:t>
+            </a:r>
+            <a:r>
+              <a:rPr lang="de-CH" sz="1600" dirty="0" err="1"/>
+              <a:t>to</a:t>
+            </a:r>
+            <a:r>
+              <a:rPr lang="de-CH" sz="1600" dirty="0"/>
               <a:t> </a:t>
             </a:r>
             <a:r>
-              <a:rPr lang="de-CH" sz="1600" dirty="0" err="1">
-                <a:solidFill>
-                  <a:srgbClr val="FF0000"/>
-                </a:solidFill>
-              </a:rPr>
-              <a:t>capability</a:t>
-            </a:r>
-            <a:r>
-              <a:rPr lang="de-CH" sz="1600" dirty="0">
-                <a:solidFill>
-                  <a:srgbClr val="FF0000"/>
-                </a:solidFill>
-              </a:rPr>
-              <a:t> at IETF 121</a:t>
+              <a:rPr lang="de-CH" sz="1600" dirty="0" err="1"/>
+              <a:t>partially</a:t>
+            </a:r>
+            <a:r>
+              <a:rPr lang="de-CH" sz="1600" dirty="0"/>
+              <a:t> </a:t>
+            </a:r>
+            <a:r>
+              <a:rPr lang="de-CH" sz="1600" dirty="0" err="1"/>
+              <a:t>implemented</a:t>
+            </a:r>
+            <a:r>
+              <a:rPr lang="de-CH" sz="1600" dirty="0"/>
+              <a:t>.</a:t>
             </a:r>
           </a:p>
         </p:txBody>
@@ -15281,7 +15331,7 @@
     </p:spTree>
     <p:extLst>
       <p:ext uri="{BB962C8B-B14F-4D97-AF65-F5344CB8AC3E}">
-        <p14:creationId xmlns:p14="http://schemas.microsoft.com/office/powerpoint/2010/main" val="2799895506"/>
+        <p14:creationId xmlns:p14="http://schemas.microsoft.com/office/powerpoint/2010/main" val="1775271079"/>
       </p:ext>
     </p:extLst>
   </p:cSld>
@@ -16484,13 +16534,16 @@
                     <a:p>
                       <a:pPr algn="ctr" fontAlgn="b"/>
                       <a:r>
-                        <a:rPr lang="de-CH" sz="1900" u="none" strike="noStrike">
+                        <a:rPr lang="de-CH" sz="1900" u="none" strike="noStrike" dirty="0">
                           <a:effectLst/>
-                          <a:latin typeface="Calibri (Body)"/>
+                          <a:latin typeface="Calibri" panose="020F0502020204030204" pitchFamily="34" charset="0"/>
+                          <a:ea typeface="Calibri" panose="020F0502020204030204" pitchFamily="34" charset="0"/>
+                          <a:cs typeface="Calibri" panose="020F0502020204030204" pitchFamily="34" charset="0"/>
+                          <a:sym typeface="Wingdings" panose="05000000000000000000" pitchFamily="2" charset="2"/>
                         </a:rPr>
-                        <a:t>x</a:t>
+                        <a:t></a:t>
                       </a:r>
-                      <a:endParaRPr lang="de-CH" sz="1900" b="0" i="0" u="none" strike="noStrike">
+                      <a:endParaRPr lang="de-CH" sz="1900" b="0" i="0" u="none" strike="noStrike" dirty="0">
                         <a:solidFill>
                           <a:srgbClr val="000000"/>
                         </a:solidFill>
@@ -16639,9 +16692,12 @@
                       <a:r>
                         <a:rPr lang="de-CH" sz="1900" u="none" strike="noStrike" dirty="0">
                           <a:effectLst/>
-                          <a:latin typeface="Calibri (Body)"/>
+                          <a:latin typeface="Calibri" panose="020F0502020204030204" pitchFamily="34" charset="0"/>
+                          <a:ea typeface="Calibri" panose="020F0502020204030204" pitchFamily="34" charset="0"/>
+                          <a:cs typeface="Calibri" panose="020F0502020204030204" pitchFamily="34" charset="0"/>
+                          <a:sym typeface="Wingdings" panose="05000000000000000000" pitchFamily="2" charset="2"/>
                         </a:rPr>
-                        <a:t>x</a:t>
+                        <a:t></a:t>
                       </a:r>
                       <a:endParaRPr lang="de-CH" sz="1900" b="0" i="0" u="none" strike="noStrike" dirty="0">
                         <a:solidFill>
@@ -18173,7 +18229,7 @@
         </p:nvSpPr>
         <p:spPr>
           <a:xfrm>
-            <a:off x="942392" y="6115416"/>
+            <a:off x="942392" y="6115417"/>
             <a:ext cx="7691349" cy="338554"/>
           </a:xfrm>
           <a:prstGeom prst="rect">
@@ -18191,17 +18247,25 @@
               <a:defRPr/>
             </a:pPr>
             <a:r>
+              <a:rPr lang="de-CH" sz="1600" dirty="0">
+                <a:solidFill>
+                  <a:srgbClr val="92D050"/>
+                </a:solidFill>
+              </a:rPr>
+              <a:t>Green </a:t>
+            </a:r>
+            <a:r>
               <a:rPr lang="de-CH" sz="1600" dirty="0" err="1">
                 <a:solidFill>
-                  <a:srgbClr val="FF0000"/>
+                  <a:srgbClr val="92D050"/>
                 </a:solidFill>
               </a:rPr>
-              <a:t>Red</a:t>
+              <a:t>marked</a:t>
             </a:r>
             <a:r>
               <a:rPr lang="de-CH" sz="1600" dirty="0">
                 <a:solidFill>
-                  <a:srgbClr val="FF0000"/>
+                  <a:srgbClr val="92D050"/>
                 </a:solidFill>
               </a:rPr>
               <a:t> </a:t>
@@ -18209,15 +18273,15 @@
             <a:r>
               <a:rPr lang="de-CH" sz="1600" dirty="0" err="1">
                 <a:solidFill>
-                  <a:srgbClr val="FF0000"/>
+                  <a:srgbClr val="92D050"/>
                 </a:solidFill>
               </a:rPr>
-              <a:t>marked</a:t>
+              <a:t>describes</a:t>
             </a:r>
             <a:r>
               <a:rPr lang="de-CH" sz="1600" dirty="0">
                 <a:solidFill>
-                  <a:srgbClr val="FF0000"/>
+                  <a:srgbClr val="92D050"/>
                 </a:solidFill>
               </a:rPr>
               <a:t> </a:t>
@@ -18225,15 +18289,15 @@
             <a:r>
               <a:rPr lang="de-CH" sz="1600" dirty="0" err="1">
                 <a:solidFill>
-                  <a:srgbClr val="FF0000"/>
+                  <a:srgbClr val="92D050"/>
                 </a:solidFill>
               </a:rPr>
-              <a:t>describes</a:t>
+              <a:t>new</a:t>
             </a:r>
             <a:r>
               <a:rPr lang="de-CH" sz="1600" dirty="0">
                 <a:solidFill>
-                  <a:srgbClr val="FF0000"/>
+                  <a:srgbClr val="92D050"/>
                 </a:solidFill>
               </a:rPr>
               <a:t> </a:t>
@@ -18241,35 +18305,48 @@
             <a:r>
               <a:rPr lang="de-CH" sz="1600" dirty="0" err="1">
                 <a:solidFill>
-                  <a:srgbClr val="FF0000"/>
+                  <a:srgbClr val="92D050"/>
                 </a:solidFill>
               </a:rPr>
-              <a:t>new</a:t>
+              <a:t>capability</a:t>
             </a:r>
             <a:r>
               <a:rPr lang="de-CH" sz="1600" dirty="0">
                 <a:solidFill>
-                  <a:srgbClr val="FF0000"/>
+                  <a:srgbClr val="92D050"/>
                 </a:solidFill>
               </a:rPr>
+              <a:t> at IETF 121</a:t>
+            </a:r>
+            <a:r>
+              <a:rPr lang="de-CH" sz="1600" dirty="0"/>
+              <a:t>. P </a:t>
+            </a:r>
+            <a:r>
+              <a:rPr lang="de-CH" sz="1600" dirty="0" err="1"/>
+              <a:t>to</a:t>
+            </a:r>
+            <a:r>
+              <a:rPr lang="de-CH" sz="1600" dirty="0"/>
               <a:t> </a:t>
             </a:r>
             <a:r>
-              <a:rPr lang="de-CH" sz="1600" dirty="0" err="1">
-                <a:solidFill>
-                  <a:srgbClr val="FF0000"/>
-                </a:solidFill>
-              </a:rPr>
-              <a:t>capability</a:t>
-            </a:r>
-            <a:r>
-              <a:rPr lang="de-CH" sz="1600" dirty="0">
-                <a:solidFill>
-                  <a:srgbClr val="FF0000"/>
-                </a:solidFill>
-              </a:rPr>
-              <a:t> at IETF 121</a:t>
-            </a:r>
+              <a:rPr lang="de-CH" sz="1600" dirty="0" err="1"/>
+              <a:t>partially</a:t>
+            </a:r>
+            <a:r>
+              <a:rPr lang="de-CH" sz="1600" dirty="0"/>
+              <a:t> </a:t>
+            </a:r>
+            <a:r>
+              <a:rPr lang="de-CH" sz="1600" dirty="0" err="1"/>
+              <a:t>implemented</a:t>
+            </a:r>
+            <a:endParaRPr lang="de-CH" sz="1600" dirty="0">
+              <a:solidFill>
+                <a:srgbClr val="FF0000"/>
+              </a:solidFill>
+            </a:endParaRPr>
           </a:p>
         </p:txBody>
       </p:sp>
@@ -18312,7 +18389,7 @@
     </p:spTree>
     <p:extLst>
       <p:ext uri="{BB962C8B-B14F-4D97-AF65-F5344CB8AC3E}">
-        <p14:creationId xmlns:p14="http://schemas.microsoft.com/office/powerpoint/2010/main" val="528691890"/>
+        <p14:creationId xmlns:p14="http://schemas.microsoft.com/office/powerpoint/2010/main" val="1060752161"/>
       </p:ext>
     </p:extLst>
   </p:cSld>
@@ -19479,15 +19556,22 @@
                     <a:p>
                       <a:pPr algn="ctr" fontAlgn="b"/>
                       <a:r>
-                        <a:rPr lang="de-CH" sz="1900" b="0" i="0" u="none" strike="noStrike" dirty="0">
-                          <a:solidFill>
-                            <a:srgbClr val="000000"/>
-                          </a:solidFill>
+                        <a:rPr lang="de-CH" sz="1900" u="none" strike="noStrike" dirty="0">
                           <a:effectLst/>
-                          <a:latin typeface="Calibri (Body)"/>
+                          <a:latin typeface="Calibri" panose="020F0502020204030204" pitchFamily="34" charset="0"/>
+                          <a:ea typeface="Calibri" panose="020F0502020204030204" pitchFamily="34" charset="0"/>
+                          <a:cs typeface="Calibri" panose="020F0502020204030204" pitchFamily="34" charset="0"/>
+                          <a:sym typeface="Wingdings" panose="05000000000000000000" pitchFamily="2" charset="2"/>
                         </a:rPr>
-                        <a:t>x</a:t>
+                        <a:t></a:t>
                       </a:r>
+                      <a:endParaRPr lang="de-CH" sz="1900" b="0" i="0" u="none" strike="noStrike" dirty="0">
+                        <a:solidFill>
+                          <a:srgbClr val="000000"/>
+                        </a:solidFill>
+                        <a:effectLst/>
+                        <a:latin typeface="Calibri (Body)"/>
+                      </a:endParaRPr>
                     </a:p>
                   </a:txBody>
                   <a:tcPr marL="9525" marR="9525" marT="9525" marB="0" anchor="b">
@@ -19636,15 +19720,22 @@
                     <a:p>
                       <a:pPr algn="ctr" fontAlgn="b"/>
                       <a:r>
-                        <a:rPr lang="de-CH" sz="1900" b="0" i="0" u="none" strike="noStrike" dirty="0">
-                          <a:solidFill>
-                            <a:srgbClr val="000000"/>
-                          </a:solidFill>
+                        <a:rPr lang="de-CH" sz="1900" u="none" strike="noStrike" dirty="0">
                           <a:effectLst/>
-                          <a:latin typeface="Calibri (Body)"/>
+                          <a:latin typeface="Calibri" panose="020F0502020204030204" pitchFamily="34" charset="0"/>
+                          <a:ea typeface="Calibri" panose="020F0502020204030204" pitchFamily="34" charset="0"/>
+                          <a:cs typeface="Calibri" panose="020F0502020204030204" pitchFamily="34" charset="0"/>
+                          <a:sym typeface="Wingdings" panose="05000000000000000000" pitchFamily="2" charset="2"/>
                         </a:rPr>
-                        <a:t>x</a:t>
+                        <a:t></a:t>
                       </a:r>
+                      <a:endParaRPr lang="de-CH" sz="1900" b="0" i="0" u="none" strike="noStrike" dirty="0">
+                        <a:solidFill>
+                          <a:srgbClr val="000000"/>
+                        </a:solidFill>
+                        <a:effectLst/>
+                        <a:latin typeface="Calibri (Body)"/>
+                      </a:endParaRPr>
                     </a:p>
                   </a:txBody>
                   <a:tcPr marL="9525" marR="9525" marT="9525" marB="0" anchor="b">
@@ -19800,7 +19891,7 @@
                           <a:effectLst/>
                           <a:latin typeface="Calibri (Body)"/>
                         </a:rPr>
-                        <a:t>x</a:t>
+                        <a:t>P</a:t>
                       </a:r>
                     </a:p>
                   </a:txBody>
@@ -20643,7 +20734,7 @@
         </p:nvSpPr>
         <p:spPr>
           <a:xfrm>
-            <a:off x="942392" y="6115416"/>
+            <a:off x="942392" y="6115417"/>
             <a:ext cx="7691349" cy="338554"/>
           </a:xfrm>
           <a:prstGeom prst="rect">
@@ -20661,17 +20752,25 @@
               <a:defRPr/>
             </a:pPr>
             <a:r>
+              <a:rPr lang="de-CH" sz="1600" dirty="0">
+                <a:solidFill>
+                  <a:srgbClr val="92D050"/>
+                </a:solidFill>
+              </a:rPr>
+              <a:t>Green </a:t>
+            </a:r>
+            <a:r>
               <a:rPr lang="de-CH" sz="1600" dirty="0" err="1">
                 <a:solidFill>
-                  <a:srgbClr val="FF0000"/>
+                  <a:srgbClr val="92D050"/>
                 </a:solidFill>
               </a:rPr>
-              <a:t>Red</a:t>
+              <a:t>marked</a:t>
             </a:r>
             <a:r>
               <a:rPr lang="de-CH" sz="1600" dirty="0">
                 <a:solidFill>
-                  <a:srgbClr val="FF0000"/>
+                  <a:srgbClr val="92D050"/>
                 </a:solidFill>
               </a:rPr>
               <a:t> </a:t>
@@ -20679,15 +20778,15 @@
             <a:r>
               <a:rPr lang="de-CH" sz="1600" dirty="0" err="1">
                 <a:solidFill>
-                  <a:srgbClr val="FF0000"/>
+                  <a:srgbClr val="92D050"/>
                 </a:solidFill>
               </a:rPr>
-              <a:t>marked</a:t>
+              <a:t>describes</a:t>
             </a:r>
             <a:r>
               <a:rPr lang="de-CH" sz="1600" dirty="0">
                 <a:solidFill>
-                  <a:srgbClr val="FF0000"/>
+                  <a:srgbClr val="92D050"/>
                 </a:solidFill>
               </a:rPr>
               <a:t> </a:t>
@@ -20695,15 +20794,15 @@
             <a:r>
               <a:rPr lang="de-CH" sz="1600" dirty="0" err="1">
                 <a:solidFill>
-                  <a:srgbClr val="FF0000"/>
+                  <a:srgbClr val="92D050"/>
                 </a:solidFill>
               </a:rPr>
-              <a:t>describes</a:t>
+              <a:t>new</a:t>
             </a:r>
             <a:r>
               <a:rPr lang="de-CH" sz="1600" dirty="0">
                 <a:solidFill>
-                  <a:srgbClr val="FF0000"/>
+                  <a:srgbClr val="92D050"/>
                 </a:solidFill>
               </a:rPr>
               <a:t> </a:t>
@@ -20711,35 +20810,48 @@
             <a:r>
               <a:rPr lang="de-CH" sz="1600" dirty="0" err="1">
                 <a:solidFill>
-                  <a:srgbClr val="FF0000"/>
+                  <a:srgbClr val="92D050"/>
                 </a:solidFill>
               </a:rPr>
-              <a:t>new</a:t>
+              <a:t>capability</a:t>
             </a:r>
             <a:r>
               <a:rPr lang="de-CH" sz="1600" dirty="0">
                 <a:solidFill>
-                  <a:srgbClr val="FF0000"/>
+                  <a:srgbClr val="92D050"/>
                 </a:solidFill>
               </a:rPr>
+              <a:t> at IETF 121</a:t>
+            </a:r>
+            <a:r>
+              <a:rPr lang="de-CH" sz="1600" dirty="0"/>
+              <a:t>. P </a:t>
+            </a:r>
+            <a:r>
+              <a:rPr lang="de-CH" sz="1600" dirty="0" err="1"/>
+              <a:t>to</a:t>
+            </a:r>
+            <a:r>
+              <a:rPr lang="de-CH" sz="1600" dirty="0"/>
               <a:t> </a:t>
             </a:r>
             <a:r>
-              <a:rPr lang="de-CH" sz="1600" dirty="0" err="1">
-                <a:solidFill>
-                  <a:srgbClr val="FF0000"/>
-                </a:solidFill>
-              </a:rPr>
-              <a:t>capability</a:t>
-            </a:r>
-            <a:r>
-              <a:rPr lang="de-CH" sz="1600" dirty="0">
-                <a:solidFill>
-                  <a:srgbClr val="FF0000"/>
-                </a:solidFill>
-              </a:rPr>
-              <a:t> at IETF 121</a:t>
-            </a:r>
+              <a:rPr lang="de-CH" sz="1600" dirty="0" err="1"/>
+              <a:t>partially</a:t>
+            </a:r>
+            <a:r>
+              <a:rPr lang="de-CH" sz="1600" dirty="0"/>
+              <a:t> </a:t>
+            </a:r>
+            <a:r>
+              <a:rPr lang="de-CH" sz="1600" dirty="0" err="1"/>
+              <a:t>implemented</a:t>
+            </a:r>
+            <a:endParaRPr lang="de-CH" sz="1600" dirty="0">
+              <a:solidFill>
+                <a:srgbClr val="FF0000"/>
+              </a:solidFill>
+            </a:endParaRPr>
           </a:p>
         </p:txBody>
       </p:sp>
@@ -20782,7 +20894,7 @@
     </p:spTree>
     <p:extLst>
       <p:ext uri="{BB962C8B-B14F-4D97-AF65-F5344CB8AC3E}">
-        <p14:creationId xmlns:p14="http://schemas.microsoft.com/office/powerpoint/2010/main" val="3521643054"/>
+        <p14:creationId xmlns:p14="http://schemas.microsoft.com/office/powerpoint/2010/main" val="2224309717"/>
       </p:ext>
     </p:extLst>
   </p:cSld>

--- a/121/NMOP/ietf-yang-push-implementations-next-steps.pptx
+++ b/121/NMOP/ietf-yang-push-implementations-next-steps.pptx
@@ -143,7 +143,7 @@
   <pc:docChgLst>
     <pc:chgData name="Graf Thomas, INI-NET-VNC-HCS" userId="487bc3e3-9ce7-4cdd-b7b4-8899ea88d289" providerId="ADAL" clId="{DCB9BC61-99EA-418C-88ED-255BF86A002D}"/>
     <pc:docChg chg="undo custSel addSld delSld modSld sldOrd">
-      <pc:chgData name="Graf Thomas, INI-NET-VNC-HCS" userId="487bc3e3-9ce7-4cdd-b7b4-8899ea88d289" providerId="ADAL" clId="{DCB9BC61-99EA-418C-88ED-255BF86A002D}" dt="2024-11-03T11:45:24.861" v="1335" actId="20577"/>
+      <pc:chgData name="Graf Thomas, INI-NET-VNC-HCS" userId="487bc3e3-9ce7-4cdd-b7b4-8899ea88d289" providerId="ADAL" clId="{DCB9BC61-99EA-418C-88ED-255BF86A002D}" dt="2024-11-03T11:47:14.968" v="1339" actId="20577"/>
       <pc:docMkLst>
         <pc:docMk/>
       </pc:docMkLst>
@@ -693,13 +693,13 @@
         </pc:graphicFrameChg>
       </pc:sldChg>
       <pc:sldChg chg="modSp add mod">
-        <pc:chgData name="Graf Thomas, INI-NET-VNC-HCS" userId="487bc3e3-9ce7-4cdd-b7b4-8899ea88d289" providerId="ADAL" clId="{DCB9BC61-99EA-418C-88ED-255BF86A002D}" dt="2024-11-03T11:43:44.028" v="1333" actId="207"/>
+        <pc:chgData name="Graf Thomas, INI-NET-VNC-HCS" userId="487bc3e3-9ce7-4cdd-b7b4-8899ea88d289" providerId="ADAL" clId="{DCB9BC61-99EA-418C-88ED-255BF86A002D}" dt="2024-11-03T11:47:11.217" v="1337" actId="20577"/>
         <pc:sldMkLst>
           <pc:docMk/>
           <pc:sldMk cId="1060752161" sldId="2145706291"/>
         </pc:sldMkLst>
         <pc:spChg chg="mod">
-          <ac:chgData name="Graf Thomas, INI-NET-VNC-HCS" userId="487bc3e3-9ce7-4cdd-b7b4-8899ea88d289" providerId="ADAL" clId="{DCB9BC61-99EA-418C-88ED-255BF86A002D}" dt="2024-11-03T11:43:44.028" v="1333" actId="207"/>
+          <ac:chgData name="Graf Thomas, INI-NET-VNC-HCS" userId="487bc3e3-9ce7-4cdd-b7b4-8899ea88d289" providerId="ADAL" clId="{DCB9BC61-99EA-418C-88ED-255BF86A002D}" dt="2024-11-03T11:47:11.217" v="1337" actId="20577"/>
           <ac:spMkLst>
             <pc:docMk/>
             <pc:sldMk cId="1060752161" sldId="2145706291"/>
@@ -708,13 +708,13 @@
         </pc:spChg>
       </pc:sldChg>
       <pc:sldChg chg="modSp add mod">
-        <pc:chgData name="Graf Thomas, INI-NET-VNC-HCS" userId="487bc3e3-9ce7-4cdd-b7b4-8899ea88d289" providerId="ADAL" clId="{DCB9BC61-99EA-418C-88ED-255BF86A002D}" dt="2024-11-03T11:43:48.392" v="1334" actId="207"/>
+        <pc:chgData name="Graf Thomas, INI-NET-VNC-HCS" userId="487bc3e3-9ce7-4cdd-b7b4-8899ea88d289" providerId="ADAL" clId="{DCB9BC61-99EA-418C-88ED-255BF86A002D}" dt="2024-11-03T11:47:14.968" v="1339" actId="20577"/>
         <pc:sldMkLst>
           <pc:docMk/>
           <pc:sldMk cId="2224309717" sldId="2145706292"/>
         </pc:sldMkLst>
         <pc:spChg chg="mod">
-          <ac:chgData name="Graf Thomas, INI-NET-VNC-HCS" userId="487bc3e3-9ce7-4cdd-b7b4-8899ea88d289" providerId="ADAL" clId="{DCB9BC61-99EA-418C-88ED-255BF86A002D}" dt="2024-11-03T11:43:48.392" v="1334" actId="207"/>
+          <ac:chgData name="Graf Thomas, INI-NET-VNC-HCS" userId="487bc3e3-9ce7-4cdd-b7b4-8899ea88d289" providerId="ADAL" clId="{DCB9BC61-99EA-418C-88ED-255BF86A002D}" dt="2024-11-03T11:47:14.968" v="1339" actId="20577"/>
           <ac:spMkLst>
             <pc:docMk/>
             <pc:sldMk cId="2224309717" sldId="2145706292"/>
@@ -18320,7 +18320,7 @@
             </a:r>
             <a:r>
               <a:rPr lang="de-CH" sz="1600" dirty="0"/>
-              <a:t>. P </a:t>
+              <a:t>. "P" </a:t>
             </a:r>
             <a:r>
               <a:rPr lang="de-CH" sz="1600" dirty="0" err="1"/>
@@ -20825,7 +20825,11 @@
             </a:r>
             <a:r>
               <a:rPr lang="de-CH" sz="1600" dirty="0"/>
-              <a:t>. P </a:t>
+              <a:t>. </a:t>
+            </a:r>
+            <a:r>
+              <a:rPr lang="de-CH" sz="1600"/>
+              <a:t>"P" </a:t>
             </a:r>
             <a:r>
               <a:rPr lang="de-CH" sz="1600" dirty="0" err="1"/>
